--- a/template/Shipping_Sticker_Template.pptx
+++ b/template/Shipping_Sticker_Template.pptx
@@ -257,7 +257,7 @@
       </p15:sldGuideLst>
     </p:ext>
     <p:ext uri="GoogleSlidesCustomDataVersion2">
-      <go:slidesCustomData xmlns:go="http://customooxmlschemas.google.com/" xmlns:ahyp="http://schemas.microsoft.com/office/drawing/2018/hyperlinkcolor" xmlns:p15="http://schemas.microsoft.com/office/powerpoint/2012/main" xmlns:p14="http://schemas.microsoft.com/office/powerpoint/2010/main" xmlns:com="http://schemas.openxmlformats.org/drawingml/2006/compatibility" xmlns:pvml="urn:schemas-microsoft-com:office:powerpoint" xmlns:v="urn:schemas-microsoft-com:vml" xmlns:o="urn:schemas-microsoft-com:office:office" xmlns:dgm="http://schemas.openxmlformats.org/drawingml/2006/diagram" xmlns:c="http://schemas.openxmlformats.org/drawingml/2006/chart" xmlns:mv="urn:schemas-microsoft-com:mac:vml" xmlns:mc="http://schemas.openxmlformats.org/markup-compatibility/2006" xmlns="" r:id="rId7" roundtripDataSignature="AMtx7mglTbCmT6z3d2u+ititL5E+TBpZJw=="/>
+      <go:slidesCustomData xmlns="" xmlns:mc="http://schemas.openxmlformats.org/markup-compatibility/2006" xmlns:mv="urn:schemas-microsoft-com:mac:vml" xmlns:c="http://schemas.openxmlformats.org/drawingml/2006/chart" xmlns:dgm="http://schemas.openxmlformats.org/drawingml/2006/diagram" xmlns:o="urn:schemas-microsoft-com:office:office" xmlns:v="urn:schemas-microsoft-com:vml" xmlns:pvml="urn:schemas-microsoft-com:office:powerpoint" xmlns:com="http://schemas.openxmlformats.org/drawingml/2006/compatibility" xmlns:p14="http://schemas.microsoft.com/office/powerpoint/2010/main" xmlns:p15="http://schemas.microsoft.com/office/powerpoint/2012/main" xmlns:ahyp="http://schemas.microsoft.com/office/drawing/2018/hyperlinkcolor" xmlns:go="http://customooxmlschemas.google.com/" r:id="rId7" roundtripDataSignature="AMtx7mglTbCmT6z3d2u+ititL5E+TBpZJw=="/>
     </p:ext>
   </p:extLst>
 </p:presentation>
@@ -10671,7 +10671,7 @@
         </p:nvSpPr>
         <p:spPr>
           <a:xfrm>
-            <a:off x="511626" y="1734086"/>
+            <a:off x="711324" y="1734086"/>
             <a:ext cx="6509659" cy="675300"/>
           </a:xfrm>
           <a:prstGeom prst="rect">
@@ -10718,7 +10718,7 @@
         </p:nvSpPr>
         <p:spPr>
           <a:xfrm>
-            <a:off x="892628" y="2409386"/>
+            <a:off x="713012" y="2409386"/>
             <a:ext cx="8251372" cy="677068"/>
           </a:xfrm>
           <a:prstGeom prst="rect">
@@ -10779,7 +10779,7 @@
         </p:nvSpPr>
         <p:spPr>
           <a:xfrm>
-            <a:off x="892627" y="3350567"/>
+            <a:off x="734975" y="3350567"/>
             <a:ext cx="4942115" cy="461700"/>
           </a:xfrm>
           <a:prstGeom prst="rect">
@@ -10843,7 +10843,7 @@
         </p:nvSpPr>
         <p:spPr>
           <a:xfrm>
-            <a:off x="892627" y="2888902"/>
+            <a:off x="724463" y="2888902"/>
             <a:ext cx="7892143" cy="461665"/>
           </a:xfrm>
           <a:prstGeom prst="rect">

--- a/template/Shipping_Sticker_Template.pptx
+++ b/template/Shipping_Sticker_Template.pptx
@@ -8935,7 +8935,7 @@
           </a:blip>
           <a:srcRect/>
           <a:stretch>
-            <a:fillRect/>
+            <a:fillRect t="-1000" b="-1000"/>
           </a:stretch>
         </a:blipFill>
         <a:effectLst/>
@@ -10661,7 +10661,7 @@
       </p:grpSpPr>
       <p:sp>
         <p:nvSpPr>
-          <p:cNvPr id="85" name="Google Shape;85;p1"/>
+          <p:cNvPr id="85" name="shippingName"/>
           <p:cNvSpPr txBox="1">
             <a:spLocks noGrp="1"/>
           </p:cNvSpPr>
@@ -10671,7 +10671,7 @@
         </p:nvSpPr>
         <p:spPr>
           <a:xfrm>
-            <a:off x="711324" y="1734086"/>
+            <a:off x="721372" y="2156116"/>
             <a:ext cx="6509659" cy="675300"/>
           </a:xfrm>
           <a:prstGeom prst="rect">
@@ -10703,22 +10703,25 @@
               <a:buNone/>
             </a:pPr>
             <a:r>
-              <a:rPr lang="en-US" sz="2800" dirty="0"/>
+              <a:rPr lang="en-US" sz="2800" b="1" dirty="0">
+                <a:latin typeface="Lato" panose="020F0502020204030203" pitchFamily="34" charset="0"/>
+                <a:ea typeface="Lato" panose="020F0502020204030203" pitchFamily="34" charset="0"/>
+                <a:cs typeface="Lato" panose="020F0502020204030203" pitchFamily="34" charset="0"/>
+              </a:rPr>
               <a:t>Shipping Name</a:t>
             </a:r>
-            <a:endParaRPr sz="2800" dirty="0"/>
           </a:p>
         </p:txBody>
       </p:sp>
       <p:sp>
         <p:nvSpPr>
-          <p:cNvPr id="86" name="Google Shape;86;p1"/>
+          <p:cNvPr id="86" name="shippingAddress"/>
           <p:cNvSpPr txBox="1"/>
           <p:nvPr/>
         </p:nvSpPr>
         <p:spPr>
           <a:xfrm>
-            <a:off x="713012" y="2409386"/>
+            <a:off x="723060" y="2831416"/>
             <a:ext cx="8251372" cy="677068"/>
           </a:xfrm>
           <a:prstGeom prst="rect">
@@ -10749,9 +10752,9 @@
                 <a:solidFill>
                   <a:schemeClr val="dk1"/>
                 </a:solidFill>
-                <a:latin typeface="Calibri"/>
-                <a:ea typeface="Calibri"/>
-                <a:cs typeface="Calibri"/>
+                <a:latin typeface="Lato" panose="020F0502020204030203" pitchFamily="34" charset="0"/>
+                <a:ea typeface="Lato" panose="020F0502020204030203" pitchFamily="34" charset="0"/>
+                <a:cs typeface="Lato" panose="020F0502020204030203" pitchFamily="34" charset="0"/>
                 <a:sym typeface="Calibri"/>
               </a:rPr>
               <a:t>Shipping Address1 Shipping Address2,</a:t>
@@ -10761,25 +10764,29 @@
                 <a:solidFill>
                   <a:schemeClr val="dk1"/>
                 </a:solidFill>
-                <a:latin typeface="Calibri"/>
-                <a:ea typeface="Calibri"/>
-                <a:cs typeface="Calibri"/>
+                <a:latin typeface="Lato" panose="020F0502020204030203" pitchFamily="34" charset="0"/>
+                <a:ea typeface="Lato" panose="020F0502020204030203" pitchFamily="34" charset="0"/>
+                <a:cs typeface="Lato" panose="020F0502020204030203" pitchFamily="34" charset="0"/>
                 <a:sym typeface="Calibri"/>
               </a:rPr>
             </a:br>
-            <a:endParaRPr dirty="0"/>
+            <a:endParaRPr dirty="0">
+              <a:latin typeface="Lato" panose="020F0502020204030203" pitchFamily="34" charset="0"/>
+              <a:ea typeface="Lato" panose="020F0502020204030203" pitchFamily="34" charset="0"/>
+              <a:cs typeface="Lato" panose="020F0502020204030203" pitchFamily="34" charset="0"/>
+            </a:endParaRPr>
           </a:p>
         </p:txBody>
       </p:sp>
       <p:sp>
         <p:nvSpPr>
-          <p:cNvPr id="87" name="Google Shape;87;p1"/>
+          <p:cNvPr id="87" name="shippingPhone"/>
           <p:cNvSpPr txBox="1"/>
           <p:nvPr/>
         </p:nvSpPr>
         <p:spPr>
           <a:xfrm>
-            <a:off x="734975" y="3350567"/>
+            <a:off x="745023" y="3772597"/>
             <a:ext cx="4942115" cy="461700"/>
           </a:xfrm>
           <a:prstGeom prst="rect">
@@ -10810,9 +10817,9 @@
                 <a:solidFill>
                   <a:schemeClr val="dk1"/>
                 </a:solidFill>
-                <a:latin typeface="Calibri"/>
-                <a:ea typeface="Calibri"/>
-                <a:cs typeface="Calibri"/>
+                <a:latin typeface="Lato" panose="020F0502020204030203" pitchFamily="34" charset="0"/>
+                <a:ea typeface="Lato" panose="020F0502020204030203" pitchFamily="34" charset="0"/>
+                <a:cs typeface="Lato" panose="020F0502020204030203" pitchFamily="34" charset="0"/>
                 <a:sym typeface="Calibri"/>
               </a:rPr>
               <a:t>Shipping Phone</a:t>
@@ -10821,9 +10828,9 @@
               <a:solidFill>
                 <a:schemeClr val="dk1"/>
               </a:solidFill>
-              <a:latin typeface="Calibri"/>
-              <a:ea typeface="Calibri"/>
-              <a:cs typeface="Calibri"/>
+              <a:latin typeface="Lato" panose="020F0502020204030203" pitchFamily="34" charset="0"/>
+              <a:ea typeface="Lato" panose="020F0502020204030203" pitchFamily="34" charset="0"/>
+              <a:cs typeface="Lato" panose="020F0502020204030203" pitchFamily="34" charset="0"/>
               <a:sym typeface="Calibri"/>
             </a:endParaRPr>
           </a:p>
@@ -10831,7 +10838,7 @@
       </p:sp>
       <p:sp>
         <p:nvSpPr>
-          <p:cNvPr id="6" name="TextBox 5">
+          <p:cNvPr id="6" name="shippingZip">
             <a:extLst>
               <a:ext uri="{FF2B5EF4-FFF2-40B4-BE49-F238E27FC236}">
                 <a16:creationId xmlns:a16="http://schemas.microsoft.com/office/drawing/2014/main" id="{66AA83CE-D782-21CC-9B8D-EE8D286A654C}"/>
@@ -10843,7 +10850,7 @@
         </p:nvSpPr>
         <p:spPr>
           <a:xfrm>
-            <a:off x="724463" y="2888902"/>
+            <a:off x="734511" y="3310932"/>
             <a:ext cx="7892143" cy="461665"/>
           </a:xfrm>
           <a:prstGeom prst="rect">
@@ -10862,8 +10869,9 @@
                 <a:solidFill>
                   <a:schemeClr val="dk1"/>
                 </a:solidFill>
-                <a:latin typeface="Calibri"/>
-                <a:cs typeface="Calibri"/>
+                <a:latin typeface="Lato" panose="020F0502020204030203" pitchFamily="34" charset="0"/>
+                <a:ea typeface="Lato" panose="020F0502020204030203" pitchFamily="34" charset="0"/>
+                <a:cs typeface="Lato" panose="020F0502020204030203" pitchFamily="34" charset="0"/>
                 <a:sym typeface="Calibri"/>
               </a:rPr>
               <a:t>Shipping City, Shipping Province, Shipping Zip</a:t>
@@ -10872,8 +10880,73 @@
               <a:solidFill>
                 <a:schemeClr val="dk1"/>
               </a:solidFill>
-              <a:latin typeface="Calibri"/>
-              <a:cs typeface="Calibri"/>
+              <a:latin typeface="Lato" panose="020F0502020204030203" pitchFamily="34" charset="0"/>
+              <a:ea typeface="Lato" panose="020F0502020204030203" pitchFamily="34" charset="0"/>
+              <a:cs typeface="Lato" panose="020F0502020204030203" pitchFamily="34" charset="0"/>
+            </a:endParaRPr>
+          </a:p>
+        </p:txBody>
+      </p:sp>
+      <p:sp>
+        <p:nvSpPr>
+          <p:cNvPr id="5" name="zone">
+            <a:extLst>
+              <a:ext uri="{FF2B5EF4-FFF2-40B4-BE49-F238E27FC236}">
+                <a16:creationId xmlns:a16="http://schemas.microsoft.com/office/drawing/2014/main" id="{82FB3EAD-5564-03A3-B87B-1BB05F244077}"/>
+              </a:ext>
+            </a:extLst>
+          </p:cNvPr>
+          <p:cNvSpPr txBox="1"/>
+          <p:nvPr/>
+        </p:nvSpPr>
+        <p:spPr>
+          <a:xfrm>
+            <a:off x="6451041" y="5544520"/>
+            <a:ext cx="1798655" cy="523180"/>
+          </a:xfrm>
+          <a:prstGeom prst="rect">
+            <a:avLst/>
+          </a:prstGeom>
+          <a:noFill/>
+          <a:ln>
+            <a:noFill/>
+          </a:ln>
+        </p:spPr>
+        <p:txBody>
+          <a:bodyPr spcFirstLastPara="1" wrap="square" lIns="91425" tIns="45700" rIns="91425" bIns="45700" anchor="t" anchorCtr="0">
+            <a:spAutoFit/>
+          </a:bodyPr>
+          <a:lstStyle/>
+          <a:p>
+            <a:pPr marL="0" marR="0" lvl="0" indent="0" algn="ctr" rtl="0">
+              <a:spcBef>
+                <a:spcPts val="0"/>
+              </a:spcBef>
+              <a:spcAft>
+                <a:spcPts val="0"/>
+              </a:spcAft>
+              <a:buNone/>
+            </a:pPr>
+            <a:r>
+              <a:rPr lang="en-US" sz="2800" dirty="0">
+                <a:solidFill>
+                  <a:schemeClr val="dk1"/>
+                </a:solidFill>
+                <a:latin typeface="Lato" panose="020F0502020204030203" pitchFamily="34" charset="0"/>
+                <a:ea typeface="Lato" panose="020F0502020204030203" pitchFamily="34" charset="0"/>
+                <a:cs typeface="Lato" panose="020F0502020204030203" pitchFamily="34" charset="0"/>
+                <a:sym typeface="Calibri"/>
+              </a:rPr>
+              <a:t>ZONE</a:t>
+            </a:r>
+            <a:endParaRPr sz="2800" dirty="0">
+              <a:solidFill>
+                <a:schemeClr val="dk1"/>
+              </a:solidFill>
+              <a:latin typeface="Lato" panose="020F0502020204030203" pitchFamily="34" charset="0"/>
+              <a:ea typeface="Lato" panose="020F0502020204030203" pitchFamily="34" charset="0"/>
+              <a:cs typeface="Lato" panose="020F0502020204030203" pitchFamily="34" charset="0"/>
+              <a:sym typeface="Calibri"/>
             </a:endParaRPr>
           </a:p>
         </p:txBody>

--- a/template/Shipping_Sticker_Template.pptx
+++ b/template/Shipping_Sticker_Template.pptx
@@ -257,10 +257,134 @@
       </p15:sldGuideLst>
     </p:ext>
     <p:ext uri="GoogleSlidesCustomDataVersion2">
-      <go:slidesCustomData xmlns="" xmlns:mc="http://schemas.openxmlformats.org/markup-compatibility/2006" xmlns:mv="urn:schemas-microsoft-com:mac:vml" xmlns:c="http://schemas.openxmlformats.org/drawingml/2006/chart" xmlns:dgm="http://schemas.openxmlformats.org/drawingml/2006/diagram" xmlns:o="urn:schemas-microsoft-com:office:office" xmlns:v="urn:schemas-microsoft-com:vml" xmlns:pvml="urn:schemas-microsoft-com:office:powerpoint" xmlns:com="http://schemas.openxmlformats.org/drawingml/2006/compatibility" xmlns:p14="http://schemas.microsoft.com/office/powerpoint/2010/main" xmlns:p15="http://schemas.microsoft.com/office/powerpoint/2012/main" xmlns:ahyp="http://schemas.microsoft.com/office/drawing/2018/hyperlinkcolor" xmlns:go="http://customooxmlschemas.google.com/" r:id="rId7" roundtripDataSignature="AMtx7mglTbCmT6z3d2u+ititL5E+TBpZJw=="/>
+      <go:slidesCustomData xmlns:go="http://customooxmlschemas.google.com/" xmlns:ahyp="http://schemas.microsoft.com/office/drawing/2018/hyperlinkcolor" xmlns:p15="http://schemas.microsoft.com/office/powerpoint/2012/main" xmlns:p14="http://schemas.microsoft.com/office/powerpoint/2010/main" xmlns:com="http://schemas.openxmlformats.org/drawingml/2006/compatibility" xmlns:pvml="urn:schemas-microsoft-com:office:powerpoint" xmlns:v="urn:schemas-microsoft-com:vml" xmlns:o="urn:schemas-microsoft-com:office:office" xmlns:dgm="http://schemas.openxmlformats.org/drawingml/2006/diagram" xmlns:c="http://schemas.openxmlformats.org/drawingml/2006/chart" xmlns:mv="urn:schemas-microsoft-com:mac:vml" xmlns:mc="http://schemas.openxmlformats.org/markup-compatibility/2006" xmlns="" r:id="rId7" roundtripDataSignature="AMtx7mglTbCmT6z3d2u+ititL5E+TBpZJw=="/>
     </p:ext>
   </p:extLst>
 </p:presentation>
+</file>
+
+<file path=ppt/revisionInfo.xml><?xml version="1.0" encoding="utf-8"?>
+<p1510:revInfo xmlns:a="http://schemas.openxmlformats.org/drawingml/2006/main" xmlns:r="http://schemas.openxmlformats.org/officeDocument/2006/relationships" xmlns:p1510="http://schemas.microsoft.com/office/powerpoint/2015/10/main">
+  <p1510:revLst>
+    <p1510:client id="{CF41D7CF-925E-7841-8F7A-9189F18B8285}" v="3" dt="2026-01-09T23:36:36.042"/>
+  </p1510:revLst>
+</p1510:revInfo>
+</file>
+
+<file path=ppt/changesInfos/changesInfo1.xml><?xml version="1.0" encoding="utf-8"?>
+<pc:chgInfo xmlns:a="http://schemas.openxmlformats.org/drawingml/2006/main" xmlns:r="http://schemas.openxmlformats.org/officeDocument/2006/relationships" xmlns:ac="http://schemas.microsoft.com/office/drawing/2013/main/command" xmlns:pc="http://schemas.microsoft.com/office/powerpoint/2013/main/command">
+  <pc:docChgLst>
+    <pc:chgData name="Yang Chen" userId="5efd7b53-582d-4367-abd9-b7e0599e7d94" providerId="ADAL" clId="{CF41D7CF-925E-7841-8F7A-9189F18B8285}"/>
+    <pc:docChg chg="modSld modMainMaster">
+      <pc:chgData name="Yang Chen" userId="5efd7b53-582d-4367-abd9-b7e0599e7d94" providerId="ADAL" clId="{CF41D7CF-925E-7841-8F7A-9189F18B8285}" dt="2026-01-09T23:36:36.042" v="2"/>
+      <pc:docMkLst>
+        <pc:docMk/>
+      </pc:docMkLst>
+      <pc:sldChg chg="setBg">
+        <pc:chgData name="Yang Chen" userId="5efd7b53-582d-4367-abd9-b7e0599e7d94" providerId="ADAL" clId="{CF41D7CF-925E-7841-8F7A-9189F18B8285}" dt="2026-01-09T23:36:36.042" v="2"/>
+        <pc:sldMkLst>
+          <pc:docMk/>
+          <pc:sldMk cId="0" sldId="256"/>
+        </pc:sldMkLst>
+      </pc:sldChg>
+      <pc:sldMasterChg chg="setBg modSldLayout">
+        <pc:chgData name="Yang Chen" userId="5efd7b53-582d-4367-abd9-b7e0599e7d94" providerId="ADAL" clId="{CF41D7CF-925E-7841-8F7A-9189F18B8285}" dt="2026-01-09T23:36:36.042" v="2"/>
+        <pc:sldMasterMkLst>
+          <pc:docMk/>
+          <pc:sldMasterMk cId="0" sldId="2147483648"/>
+        </pc:sldMasterMkLst>
+        <pc:sldLayoutChg chg="setBg">
+          <pc:chgData name="Yang Chen" userId="5efd7b53-582d-4367-abd9-b7e0599e7d94" providerId="ADAL" clId="{CF41D7CF-925E-7841-8F7A-9189F18B8285}" dt="2026-01-09T23:36:36.042" v="2"/>
+          <pc:sldLayoutMkLst>
+            <pc:docMk/>
+            <pc:sldMasterMk cId="0" sldId="2147483648"/>
+            <pc:sldLayoutMk cId="0" sldId="2147483650"/>
+          </pc:sldLayoutMkLst>
+        </pc:sldLayoutChg>
+        <pc:sldLayoutChg chg="setBg">
+          <pc:chgData name="Yang Chen" userId="5efd7b53-582d-4367-abd9-b7e0599e7d94" providerId="ADAL" clId="{CF41D7CF-925E-7841-8F7A-9189F18B8285}" dt="2026-01-09T23:36:36.042" v="2"/>
+          <pc:sldLayoutMkLst>
+            <pc:docMk/>
+            <pc:sldMasterMk cId="0" sldId="2147483648"/>
+            <pc:sldLayoutMk cId="0" sldId="2147483651"/>
+          </pc:sldLayoutMkLst>
+        </pc:sldLayoutChg>
+        <pc:sldLayoutChg chg="setBg">
+          <pc:chgData name="Yang Chen" userId="5efd7b53-582d-4367-abd9-b7e0599e7d94" providerId="ADAL" clId="{CF41D7CF-925E-7841-8F7A-9189F18B8285}" dt="2026-01-09T23:36:36.042" v="2"/>
+          <pc:sldLayoutMkLst>
+            <pc:docMk/>
+            <pc:sldMasterMk cId="0" sldId="2147483648"/>
+            <pc:sldLayoutMk cId="0" sldId="2147483652"/>
+          </pc:sldLayoutMkLst>
+        </pc:sldLayoutChg>
+        <pc:sldLayoutChg chg="setBg">
+          <pc:chgData name="Yang Chen" userId="5efd7b53-582d-4367-abd9-b7e0599e7d94" providerId="ADAL" clId="{CF41D7CF-925E-7841-8F7A-9189F18B8285}" dt="2026-01-09T23:36:36.042" v="2"/>
+          <pc:sldLayoutMkLst>
+            <pc:docMk/>
+            <pc:sldMasterMk cId="0" sldId="2147483648"/>
+            <pc:sldLayoutMk cId="0" sldId="2147483653"/>
+          </pc:sldLayoutMkLst>
+        </pc:sldLayoutChg>
+        <pc:sldLayoutChg chg="setBg">
+          <pc:chgData name="Yang Chen" userId="5efd7b53-582d-4367-abd9-b7e0599e7d94" providerId="ADAL" clId="{CF41D7CF-925E-7841-8F7A-9189F18B8285}" dt="2026-01-09T23:36:36.042" v="2"/>
+          <pc:sldLayoutMkLst>
+            <pc:docMk/>
+            <pc:sldMasterMk cId="0" sldId="2147483648"/>
+            <pc:sldLayoutMk cId="0" sldId="2147483654"/>
+          </pc:sldLayoutMkLst>
+        </pc:sldLayoutChg>
+        <pc:sldLayoutChg chg="setBg">
+          <pc:chgData name="Yang Chen" userId="5efd7b53-582d-4367-abd9-b7e0599e7d94" providerId="ADAL" clId="{CF41D7CF-925E-7841-8F7A-9189F18B8285}" dt="2026-01-09T23:36:36.042" v="2"/>
+          <pc:sldLayoutMkLst>
+            <pc:docMk/>
+            <pc:sldMasterMk cId="0" sldId="2147483648"/>
+            <pc:sldLayoutMk cId="0" sldId="2147483655"/>
+          </pc:sldLayoutMkLst>
+        </pc:sldLayoutChg>
+        <pc:sldLayoutChg chg="setBg">
+          <pc:chgData name="Yang Chen" userId="5efd7b53-582d-4367-abd9-b7e0599e7d94" providerId="ADAL" clId="{CF41D7CF-925E-7841-8F7A-9189F18B8285}" dt="2026-01-09T23:36:36.042" v="2"/>
+          <pc:sldLayoutMkLst>
+            <pc:docMk/>
+            <pc:sldMasterMk cId="0" sldId="2147483648"/>
+            <pc:sldLayoutMk cId="0" sldId="2147483656"/>
+          </pc:sldLayoutMkLst>
+        </pc:sldLayoutChg>
+        <pc:sldLayoutChg chg="setBg">
+          <pc:chgData name="Yang Chen" userId="5efd7b53-582d-4367-abd9-b7e0599e7d94" providerId="ADAL" clId="{CF41D7CF-925E-7841-8F7A-9189F18B8285}" dt="2026-01-09T23:36:36.042" v="2"/>
+          <pc:sldLayoutMkLst>
+            <pc:docMk/>
+            <pc:sldMasterMk cId="0" sldId="2147483648"/>
+            <pc:sldLayoutMk cId="0" sldId="2147483657"/>
+          </pc:sldLayoutMkLst>
+        </pc:sldLayoutChg>
+        <pc:sldLayoutChg chg="setBg">
+          <pc:chgData name="Yang Chen" userId="5efd7b53-582d-4367-abd9-b7e0599e7d94" providerId="ADAL" clId="{CF41D7CF-925E-7841-8F7A-9189F18B8285}" dt="2026-01-09T23:36:36.042" v="2"/>
+          <pc:sldLayoutMkLst>
+            <pc:docMk/>
+            <pc:sldMasterMk cId="0" sldId="2147483648"/>
+            <pc:sldLayoutMk cId="0" sldId="2147483658"/>
+          </pc:sldLayoutMkLst>
+        </pc:sldLayoutChg>
+        <pc:sldLayoutChg chg="setBg">
+          <pc:chgData name="Yang Chen" userId="5efd7b53-582d-4367-abd9-b7e0599e7d94" providerId="ADAL" clId="{CF41D7CF-925E-7841-8F7A-9189F18B8285}" dt="2026-01-09T23:36:36.042" v="2"/>
+          <pc:sldLayoutMkLst>
+            <pc:docMk/>
+            <pc:sldMasterMk cId="0" sldId="2147483648"/>
+            <pc:sldLayoutMk cId="0" sldId="2147483659"/>
+          </pc:sldLayoutMkLst>
+        </pc:sldLayoutChg>
+        <pc:sldLayoutChg chg="setBg">
+          <pc:chgData name="Yang Chen" userId="5efd7b53-582d-4367-abd9-b7e0599e7d94" providerId="ADAL" clId="{CF41D7CF-925E-7841-8F7A-9189F18B8285}" dt="2026-01-09T23:36:36.042" v="2"/>
+          <pc:sldLayoutMkLst>
+            <pc:docMk/>
+            <pc:sldMasterMk cId="0" sldId="2147483648"/>
+            <pc:sldLayoutMk cId="2997204138" sldId="2147483660"/>
+          </pc:sldLayoutMkLst>
+        </pc:sldLayoutChg>
+      </pc:sldMasterChg>
+    </pc:docChg>
+  </pc:docChgLst>
+</pc:chgInfo>
 </file>
 
 <file path=ppt/notesMasters/notesMaster1.xml><?xml version="1.0" encoding="utf-8"?>
@@ -8935,7 +9059,7 @@
           </a:blip>
           <a:srcRect/>
           <a:stretch>
-            <a:fillRect t="-1000" b="-1000"/>
+            <a:fillRect/>
           </a:stretch>
         </a:blipFill>
         <a:effectLst/>
